--- a/publications/CIKM18-ppt-zhang-et-al-MEgo2Vec.pptx
+++ b/publications/CIKM18-ppt-zhang-et-al-MEgo2Vec.pptx
@@ -265,7 +265,7 @@
             <a:fld id="{B0E53223-BD64-4BED-9BC8-4C388EA24B82}" type="datetimeFigureOut">
               <a:rPr lang="zh-CN" altLang="en-US" smtClean="0"/>
               <a:pPr/>
-              <a:t>2018/11/13</a:t>
+              <a:t>2018/11/15</a:t>
             </a:fld>
             <a:endParaRPr lang="zh-CN" altLang="en-US"/>
           </a:p>
@@ -3475,69 +3475,384 @@
         </p:nvSpPr>
         <p:spPr>
           <a:xfrm>
-            <a:off x="647700" y="4234696"/>
+            <a:off x="855090" y="4290139"/>
             <a:ext cx="7741920" cy="2270760"/>
           </a:xfrm>
         </p:spPr>
         <p:txBody>
           <a:bodyPr>
-            <a:normAutofit/>
+            <a:normAutofit lnSpcReduction="10000"/>
           </a:bodyPr>
           <a:lstStyle/>
           <a:p>
             <a:r>
               <a:rPr lang="en-US" altLang="zh-CN" sz="2400" dirty="0" smtClean="0">
+                <a:ea typeface="微软雅黑" pitchFamily="34" charset="-122"/>
+                <a:cs typeface="Times New Roman" pitchFamily="18" charset="0"/>
+              </a:rPr>
+              <a:t>Jing</a:t>
+            </a:r>
+            <a:r>
+              <a:rPr lang="zh-CN" altLang="en-US" sz="2400" dirty="0" smtClean="0">
+                <a:ea typeface="微软雅黑" pitchFamily="34" charset="-122"/>
+                <a:cs typeface="Times New Roman" pitchFamily="18" charset="0"/>
+              </a:rPr>
+              <a:t> </a:t>
+            </a:r>
+            <a:r>
+              <a:rPr lang="en-US" altLang="zh-CN" sz="2400" dirty="0" smtClean="0">
+                <a:ea typeface="微软雅黑" pitchFamily="34" charset="-122"/>
+                <a:cs typeface="Times New Roman" pitchFamily="18" charset="0"/>
+              </a:rPr>
+              <a:t>Zhang</a:t>
+            </a:r>
+            <a:r>
+              <a:rPr lang="en-US" altLang="zh-CN" sz="2400" baseline="30000" dirty="0" smtClean="0">
+                <a:ea typeface="微软雅黑" pitchFamily="34" charset="-122"/>
+                <a:cs typeface="Times New Roman" pitchFamily="18" charset="0"/>
+              </a:rPr>
+              <a:t>+</a:t>
+            </a:r>
+            <a:r>
+              <a:rPr lang="en-US" altLang="zh-CN" sz="2400" dirty="0" smtClean="0">
+                <a:ea typeface="微软雅黑" pitchFamily="34" charset="-122"/>
+                <a:cs typeface="Times New Roman" pitchFamily="18" charset="0"/>
+              </a:rPr>
+              <a:t>,</a:t>
+            </a:r>
+            <a:r>
+              <a:rPr lang="zh-CN" altLang="en-US" sz="2400" dirty="0" smtClean="0">
+                <a:ea typeface="微软雅黑" pitchFamily="34" charset="-122"/>
+                <a:cs typeface="Times New Roman" pitchFamily="18" charset="0"/>
+              </a:rPr>
+              <a:t> </a:t>
+            </a:r>
+            <a:r>
+              <a:rPr lang="en-US" altLang="zh-CN" sz="2400" dirty="0">
+                <a:ea typeface="微软雅黑" pitchFamily="34" charset="-122"/>
+                <a:cs typeface="Times New Roman" pitchFamily="18" charset="0"/>
+              </a:rPr>
+              <a:t>Bo</a:t>
+            </a:r>
+            <a:r>
+              <a:rPr lang="zh-CN" altLang="en-US" sz="2400" dirty="0">
+                <a:ea typeface="微软雅黑" pitchFamily="34" charset="-122"/>
+                <a:cs typeface="Times New Roman" pitchFamily="18" charset="0"/>
+              </a:rPr>
+              <a:t> </a:t>
+            </a:r>
+            <a:r>
+              <a:rPr lang="en-US" altLang="zh-CN" sz="2400" dirty="0" smtClean="0">
+                <a:ea typeface="微软雅黑" pitchFamily="34" charset="-122"/>
+                <a:cs typeface="Times New Roman" pitchFamily="18" charset="0"/>
+              </a:rPr>
+              <a:t>Chen</a:t>
+            </a:r>
+            <a:r>
+              <a:rPr lang="en-US" altLang="zh-CN" sz="2400" baseline="30000" dirty="0">
+                <a:ea typeface="微软雅黑" pitchFamily="34" charset="-122"/>
+                <a:cs typeface="Times New Roman" pitchFamily="18" charset="0"/>
+              </a:rPr>
+              <a:t>+</a:t>
+            </a:r>
+            <a:r>
+              <a:rPr lang="en-US" altLang="zh-CN" sz="2400" dirty="0" smtClean="0">
+                <a:ea typeface="微软雅黑" pitchFamily="34" charset="-122"/>
+                <a:cs typeface="Times New Roman" pitchFamily="18" charset="0"/>
+              </a:rPr>
+              <a:t>, </a:t>
+            </a:r>
+            <a:r>
+              <a:rPr lang="en-US" altLang="zh-CN" sz="2400" dirty="0" err="1" smtClean="0">
+                <a:ea typeface="微软雅黑" pitchFamily="34" charset="-122"/>
+                <a:cs typeface="Times New Roman" pitchFamily="18" charset="0"/>
+              </a:rPr>
+              <a:t>Xianming</a:t>
+            </a:r>
+            <a:r>
+              <a:rPr lang="zh-CN" altLang="en-US" sz="2400" dirty="0" smtClean="0">
+                <a:ea typeface="微软雅黑" pitchFamily="34" charset="-122"/>
+                <a:cs typeface="Times New Roman" pitchFamily="18" charset="0"/>
+              </a:rPr>
+              <a:t> </a:t>
+            </a:r>
+            <a:r>
+              <a:rPr lang="en-US" altLang="zh-CN" sz="2400" dirty="0" smtClean="0">
+                <a:ea typeface="微软雅黑" pitchFamily="34" charset="-122"/>
+                <a:cs typeface="Times New Roman" pitchFamily="18" charset="0"/>
+              </a:rPr>
+              <a:t>Wang</a:t>
+            </a:r>
+            <a:r>
+              <a:rPr lang="en-US" altLang="zh-CN" sz="2400" baseline="30000" dirty="0">
+                <a:ea typeface="微软雅黑" pitchFamily="34" charset="-122"/>
+                <a:cs typeface="Times New Roman" pitchFamily="18" charset="0"/>
+              </a:rPr>
+              <a:t>+</a:t>
+            </a:r>
+            <a:r>
+              <a:rPr lang="en-US" altLang="zh-CN" sz="2400" dirty="0" smtClean="0">
+                <a:ea typeface="微软雅黑" pitchFamily="34" charset="-122"/>
+                <a:cs typeface="Times New Roman" pitchFamily="18" charset="0"/>
+              </a:rPr>
+              <a:t>,</a:t>
+            </a:r>
+            <a:r>
+              <a:rPr lang="zh-CN" altLang="en-US" sz="2400" dirty="0" smtClean="0">
+                <a:ea typeface="微软雅黑" pitchFamily="34" charset="-122"/>
+                <a:cs typeface="Times New Roman" pitchFamily="18" charset="0"/>
+              </a:rPr>
+              <a:t> </a:t>
+            </a:r>
+            <a:r>
+              <a:rPr lang="en-US" altLang="zh-CN" sz="2400" dirty="0" err="1" smtClean="0">
+                <a:ea typeface="微软雅黑" pitchFamily="34" charset="-122"/>
+                <a:cs typeface="Times New Roman" pitchFamily="18" charset="0"/>
+              </a:rPr>
+              <a:t>Fengmei</a:t>
+            </a:r>
+            <a:r>
+              <a:rPr lang="zh-CN" altLang="en-US" sz="2400" dirty="0" smtClean="0">
+                <a:ea typeface="微软雅黑" pitchFamily="34" charset="-122"/>
+                <a:cs typeface="Times New Roman" pitchFamily="18" charset="0"/>
+              </a:rPr>
+              <a:t> </a:t>
+            </a:r>
+            <a:r>
+              <a:rPr lang="en-US" altLang="zh-CN" sz="2400" dirty="0" err="1" smtClean="0">
+                <a:ea typeface="微软雅黑" pitchFamily="34" charset="-122"/>
+                <a:cs typeface="Times New Roman" pitchFamily="18" charset="0"/>
+              </a:rPr>
+              <a:t>Jin</a:t>
+            </a:r>
+            <a:r>
+              <a:rPr lang="en-US" altLang="zh-CN" sz="2400" baseline="30000" dirty="0">
+                <a:ea typeface="微软雅黑" pitchFamily="34" charset="-122"/>
+                <a:cs typeface="Times New Roman" pitchFamily="18" charset="0"/>
+              </a:rPr>
+              <a:t>+</a:t>
+            </a:r>
+            <a:r>
+              <a:rPr lang="en-US" altLang="zh-CN" sz="2400" dirty="0" smtClean="0">
+                <a:ea typeface="微软雅黑" pitchFamily="34" charset="-122"/>
+                <a:cs typeface="Times New Roman" pitchFamily="18" charset="0"/>
+              </a:rPr>
+              <a:t>,</a:t>
+            </a:r>
+            <a:r>
+              <a:rPr lang="zh-CN" altLang="en-US" sz="2400" dirty="0" smtClean="0">
+                <a:ea typeface="微软雅黑" pitchFamily="34" charset="-122"/>
+                <a:cs typeface="Times New Roman" pitchFamily="18" charset="0"/>
+              </a:rPr>
+              <a:t> </a:t>
+            </a:r>
+            <a:r>
+              <a:rPr lang="en-US" altLang="zh-CN" sz="2400" dirty="0" smtClean="0">
+                <a:ea typeface="微软雅黑" pitchFamily="34" charset="-122"/>
+                <a:cs typeface="Times New Roman" pitchFamily="18" charset="0"/>
+              </a:rPr>
+              <a:t>Hong</a:t>
+            </a:r>
+            <a:r>
+              <a:rPr lang="zh-CN" altLang="en-US" sz="2400" dirty="0" smtClean="0">
+                <a:ea typeface="微软雅黑" pitchFamily="34" charset="-122"/>
+                <a:cs typeface="Times New Roman" pitchFamily="18" charset="0"/>
+              </a:rPr>
+              <a:t> </a:t>
+            </a:r>
+            <a:r>
+              <a:rPr lang="en-US" altLang="zh-CN" sz="2400" dirty="0" smtClean="0">
+                <a:ea typeface="微软雅黑" pitchFamily="34" charset="-122"/>
+                <a:cs typeface="Times New Roman" pitchFamily="18" charset="0"/>
+              </a:rPr>
+              <a:t>Chen</a:t>
+            </a:r>
+            <a:r>
+              <a:rPr lang="en-US" altLang="zh-CN" sz="2400" baseline="30000" dirty="0">
+                <a:ea typeface="微软雅黑" pitchFamily="34" charset="-122"/>
+                <a:cs typeface="Times New Roman" pitchFamily="18" charset="0"/>
+              </a:rPr>
+              <a:t>+</a:t>
+            </a:r>
+            <a:r>
+              <a:rPr lang="en-US" altLang="zh-CN" sz="2400" dirty="0" smtClean="0">
+                <a:ea typeface="微软雅黑" pitchFamily="34" charset="-122"/>
+                <a:cs typeface="Times New Roman" pitchFamily="18" charset="0"/>
+              </a:rPr>
+              <a:t>,</a:t>
+            </a:r>
+            <a:r>
+              <a:rPr lang="zh-CN" altLang="en-US" sz="2400" dirty="0" smtClean="0">
+                <a:ea typeface="微软雅黑" pitchFamily="34" charset="-122"/>
+                <a:cs typeface="Times New Roman" pitchFamily="18" charset="0"/>
+              </a:rPr>
+              <a:t> </a:t>
+            </a:r>
+            <a:r>
+              <a:rPr lang="en-US" altLang="zh-CN" sz="2400" dirty="0" err="1">
+                <a:ea typeface="微软雅黑" pitchFamily="34" charset="-122"/>
+                <a:cs typeface="Times New Roman" pitchFamily="18" charset="0"/>
+              </a:rPr>
+              <a:t>Cuiping</a:t>
+            </a:r>
+            <a:r>
+              <a:rPr lang="zh-CN" altLang="en-US" sz="2400" dirty="0">
+                <a:ea typeface="微软雅黑" pitchFamily="34" charset="-122"/>
+                <a:cs typeface="Times New Roman" pitchFamily="18" charset="0"/>
+              </a:rPr>
+              <a:t> </a:t>
+            </a:r>
+            <a:r>
+              <a:rPr lang="en-US" altLang="zh-CN" sz="2400" dirty="0" smtClean="0">
+                <a:ea typeface="微软雅黑" pitchFamily="34" charset="-122"/>
+                <a:cs typeface="Times New Roman" pitchFamily="18" charset="0"/>
+              </a:rPr>
+              <a:t>Li</a:t>
+            </a:r>
+            <a:r>
+              <a:rPr lang="en-US" altLang="zh-CN" sz="2400" baseline="30000" dirty="0">
+                <a:ea typeface="微软雅黑" pitchFamily="34" charset="-122"/>
+                <a:cs typeface="Times New Roman" pitchFamily="18" charset="0"/>
+              </a:rPr>
+              <a:t>+</a:t>
+            </a:r>
+            <a:r>
+              <a:rPr lang="en-US" altLang="zh-CN" sz="2400" dirty="0" smtClean="0">
+                <a:ea typeface="微软雅黑" pitchFamily="34" charset="-122"/>
+                <a:cs typeface="Times New Roman" pitchFamily="18" charset="0"/>
+              </a:rPr>
+              <a:t>,</a:t>
+            </a:r>
+            <a:r>
+              <a:rPr lang="zh-CN" altLang="en-US" sz="2400" dirty="0" smtClean="0">
+                <a:ea typeface="微软雅黑" pitchFamily="34" charset="-122"/>
+                <a:cs typeface="Times New Roman" pitchFamily="18" charset="0"/>
+              </a:rPr>
+              <a:t> </a:t>
+            </a:r>
+            <a:r>
+              <a:rPr lang="en-US" altLang="zh-CN" sz="2400" dirty="0" err="1">
+                <a:ea typeface="微软雅黑" pitchFamily="34" charset="-122"/>
+                <a:cs typeface="Times New Roman" pitchFamily="18" charset="0"/>
+              </a:rPr>
+              <a:t>Guojie</a:t>
+            </a:r>
+            <a:r>
+              <a:rPr lang="zh-CN" altLang="en-US" sz="2400" dirty="0">
+                <a:ea typeface="微软雅黑" pitchFamily="34" charset="-122"/>
+                <a:cs typeface="Times New Roman" pitchFamily="18" charset="0"/>
+              </a:rPr>
+              <a:t> </a:t>
+            </a:r>
+            <a:r>
+              <a:rPr lang="en-US" altLang="zh-CN" sz="2400" dirty="0" smtClean="0">
+                <a:ea typeface="微软雅黑" pitchFamily="34" charset="-122"/>
+                <a:cs typeface="Times New Roman" pitchFamily="18" charset="0"/>
+              </a:rPr>
+              <a:t>Song</a:t>
+            </a:r>
+            <a:r>
+              <a:rPr lang="zh-CN" altLang="en-US" sz="2400" baseline="30000" dirty="0" smtClean="0">
+                <a:ea typeface="微软雅黑" pitchFamily="34" charset="-122"/>
+                <a:cs typeface="Times New Roman" pitchFamily="18" charset="0"/>
+              </a:rPr>
+              <a:t>*</a:t>
+            </a:r>
+            <a:r>
+              <a:rPr lang="en-US" altLang="zh-CN" sz="2400" dirty="0" smtClean="0">
+                <a:ea typeface="微软雅黑" pitchFamily="34" charset="-122"/>
+                <a:cs typeface="Times New Roman" pitchFamily="18" charset="0"/>
+              </a:rPr>
+              <a:t>,</a:t>
+            </a:r>
+            <a:r>
+              <a:rPr lang="zh-CN" altLang="en-US" sz="2400" dirty="0" smtClean="0">
+                <a:ea typeface="微软雅黑" pitchFamily="34" charset="-122"/>
+                <a:cs typeface="Times New Roman" pitchFamily="18" charset="0"/>
+              </a:rPr>
+              <a:t> </a:t>
+            </a:r>
+            <a:r>
+              <a:rPr lang="en-US" altLang="zh-CN" sz="2400" dirty="0" err="1">
+                <a:ea typeface="微软雅黑" pitchFamily="34" charset="-122"/>
+                <a:cs typeface="Times New Roman" pitchFamily="18" charset="0"/>
+              </a:rPr>
+              <a:t>Yutao</a:t>
+            </a:r>
+            <a:r>
+              <a:rPr lang="zh-CN" altLang="en-US" sz="2400" dirty="0">
+                <a:ea typeface="微软雅黑" pitchFamily="34" charset="-122"/>
+                <a:cs typeface="Times New Roman" pitchFamily="18" charset="0"/>
+              </a:rPr>
+              <a:t> </a:t>
+            </a:r>
+            <a:r>
+              <a:rPr lang="en-US" altLang="zh-CN" sz="2400" dirty="0" smtClean="0">
+                <a:ea typeface="微软雅黑" pitchFamily="34" charset="-122"/>
+                <a:cs typeface="Times New Roman" pitchFamily="18" charset="0"/>
+              </a:rPr>
+              <a:t>Zhang</a:t>
+            </a:r>
+            <a:r>
+              <a:rPr lang="en-US" altLang="zh-CN" sz="2400" baseline="30000" dirty="0" smtClean="0">
+                <a:ea typeface="微软雅黑" pitchFamily="34" charset="-122"/>
+                <a:cs typeface="Times New Roman" pitchFamily="18" charset="0"/>
+              </a:rPr>
+              <a:t>#</a:t>
+            </a:r>
+            <a:endParaRPr lang="en-US" altLang="zh-CN" sz="2400" baseline="30000" dirty="0" smtClean="0">
+              <a:latin typeface="+mj-lt"/>
+              <a:ea typeface="微软雅黑" pitchFamily="34" charset="-122"/>
+              <a:cs typeface="Times New Roman" pitchFamily="18" charset="0"/>
+            </a:endParaRPr>
+          </a:p>
+          <a:p>
+            <a:endParaRPr lang="en-US" altLang="zh-CN" sz="2000" dirty="0" smtClean="0">
+              <a:latin typeface="+mj-lt"/>
+              <a:ea typeface="微软雅黑" pitchFamily="34" charset="-122"/>
+              <a:cs typeface="Times New Roman" pitchFamily="18" charset="0"/>
+            </a:endParaRPr>
+          </a:p>
+          <a:p>
+            <a:r>
+              <a:rPr lang="en-US" altLang="zh-CN" sz="2000" baseline="30000" dirty="0" smtClean="0">
                 <a:latin typeface="+mj-lt"/>
                 <a:ea typeface="微软雅黑" pitchFamily="34" charset="-122"/>
                 <a:cs typeface="Times New Roman" pitchFamily="18" charset="0"/>
               </a:rPr>
-              <a:t>Bo</a:t>
-            </a:r>
-            <a:r>
-              <a:rPr lang="zh-CN" altLang="en-US" sz="2400" dirty="0" smtClean="0">
-                <a:latin typeface="+mj-lt"/>
-                <a:ea typeface="微软雅黑" pitchFamily="34" charset="-122"/>
-                <a:cs typeface="Times New Roman" pitchFamily="18" charset="0"/>
-              </a:rPr>
-              <a:t> </a:t>
-            </a:r>
-            <a:r>
-              <a:rPr lang="en-US" altLang="zh-CN" sz="2400" dirty="0" smtClean="0">
-                <a:latin typeface="+mj-lt"/>
-                <a:ea typeface="微软雅黑" pitchFamily="34" charset="-122"/>
-                <a:cs typeface="Times New Roman" pitchFamily="18" charset="0"/>
-              </a:rPr>
-              <a:t>Chen</a:t>
-            </a:r>
-          </a:p>
-          <a:p>
+              <a:t>+</a:t>
+            </a:r>
             <a:r>
               <a:rPr lang="en-US" altLang="zh-CN" sz="2000" dirty="0" smtClean="0">
                 <a:latin typeface="+mj-lt"/>
                 <a:ea typeface="微软雅黑" pitchFamily="34" charset="-122"/>
                 <a:cs typeface="Times New Roman" pitchFamily="18" charset="0"/>
               </a:rPr>
-              <a:t>Computer Science Department</a:t>
-            </a:r>
-          </a:p>
-          <a:p>
+              <a:t>Information School,</a:t>
+            </a:r>
+            <a:r>
+              <a:rPr lang="zh-CN" altLang="en-US" sz="2000" dirty="0" smtClean="0">
+                <a:latin typeface="+mj-lt"/>
+                <a:ea typeface="微软雅黑" pitchFamily="34" charset="-122"/>
+                <a:cs typeface="Times New Roman" pitchFamily="18" charset="0"/>
+              </a:rPr>
+              <a:t> </a:t>
+            </a:r>
+            <a:r>
+              <a:rPr lang="en-US" altLang="zh-CN" sz="2000" dirty="0" err="1" smtClean="0">
+                <a:latin typeface="+mj-lt"/>
+                <a:ea typeface="微软雅黑" pitchFamily="34" charset="-122"/>
+                <a:cs typeface="Times New Roman" pitchFamily="18" charset="0"/>
+              </a:rPr>
+              <a:t>Renmin</a:t>
+            </a:r>
             <a:r>
               <a:rPr lang="en-US" altLang="zh-CN" sz="2000" dirty="0" smtClean="0">
                 <a:latin typeface="+mj-lt"/>
                 <a:ea typeface="微软雅黑" pitchFamily="34" charset="-122"/>
                 <a:cs typeface="Times New Roman" pitchFamily="18" charset="0"/>
               </a:rPr>
-              <a:t>Information School</a:t>
-            </a:r>
-          </a:p>
-          <a:p>
-            <a:r>
-              <a:rPr lang="en-US" altLang="zh-CN" sz="2000" dirty="0" err="1" smtClean="0">
-                <a:latin typeface="+mj-lt"/>
-                <a:ea typeface="微软雅黑" pitchFamily="34" charset="-122"/>
-                <a:cs typeface="Times New Roman" pitchFamily="18" charset="0"/>
-              </a:rPr>
-              <a:t>Renmin</a:t>
+              <a:t> </a:t>
             </a:r>
             <a:r>
               <a:rPr lang="en-US" altLang="zh-CN" sz="2000" dirty="0" smtClean="0">
@@ -3545,8 +3860,217 @@
                 <a:ea typeface="微软雅黑" pitchFamily="34" charset="-122"/>
                 <a:cs typeface="Times New Roman" pitchFamily="18" charset="0"/>
               </a:rPr>
-              <a:t> University of China</a:t>
-            </a:r>
+              <a:t>University of </a:t>
+            </a:r>
+            <a:r>
+              <a:rPr lang="en-US" altLang="zh-CN" sz="2000" dirty="0" smtClean="0">
+                <a:latin typeface="+mj-lt"/>
+                <a:ea typeface="微软雅黑" pitchFamily="34" charset="-122"/>
+                <a:cs typeface="Times New Roman" pitchFamily="18" charset="0"/>
+              </a:rPr>
+              <a:t>China</a:t>
+            </a:r>
+          </a:p>
+          <a:p>
+            <a:r>
+              <a:rPr lang="zh-CN" altLang="en-US" sz="2000" baseline="30000" dirty="0" smtClean="0">
+                <a:latin typeface="+mj-lt"/>
+                <a:ea typeface="微软雅黑" pitchFamily="34" charset="-122"/>
+                <a:cs typeface="Times New Roman" pitchFamily="18" charset="0"/>
+              </a:rPr>
+              <a:t>*</a:t>
+            </a:r>
+            <a:r>
+              <a:rPr lang="en-US" altLang="zh-CN" sz="2000" dirty="0" smtClean="0">
+                <a:latin typeface="+mj-lt"/>
+                <a:ea typeface="微软雅黑" pitchFamily="34" charset="-122"/>
+                <a:cs typeface="Times New Roman" pitchFamily="18" charset="0"/>
+              </a:rPr>
+              <a:t>MOE</a:t>
+            </a:r>
+            <a:r>
+              <a:rPr lang="zh-CN" altLang="en-US" sz="2000" dirty="0" smtClean="0">
+                <a:latin typeface="+mj-lt"/>
+                <a:ea typeface="微软雅黑" pitchFamily="34" charset="-122"/>
+                <a:cs typeface="Times New Roman" pitchFamily="18" charset="0"/>
+              </a:rPr>
+              <a:t> </a:t>
+            </a:r>
+            <a:r>
+              <a:rPr lang="en-US" altLang="zh-CN" sz="2000" dirty="0" smtClean="0">
+                <a:latin typeface="+mj-lt"/>
+                <a:ea typeface="微软雅黑" pitchFamily="34" charset="-122"/>
+                <a:cs typeface="Times New Roman" pitchFamily="18" charset="0"/>
+              </a:rPr>
+              <a:t>Key</a:t>
+            </a:r>
+            <a:r>
+              <a:rPr lang="zh-CN" altLang="en-US" sz="2000" dirty="0" smtClean="0">
+                <a:latin typeface="+mj-lt"/>
+                <a:ea typeface="微软雅黑" pitchFamily="34" charset="-122"/>
+                <a:cs typeface="Times New Roman" pitchFamily="18" charset="0"/>
+              </a:rPr>
+              <a:t> </a:t>
+            </a:r>
+            <a:r>
+              <a:rPr lang="en-US" altLang="zh-CN" sz="2000" dirty="0" smtClean="0">
+                <a:latin typeface="+mj-lt"/>
+                <a:ea typeface="微软雅黑" pitchFamily="34" charset="-122"/>
+                <a:cs typeface="Times New Roman" pitchFamily="18" charset="0"/>
+              </a:rPr>
+              <a:t>Laboratory</a:t>
+            </a:r>
+            <a:r>
+              <a:rPr lang="zh-CN" altLang="en-US" sz="2000" dirty="0" smtClean="0">
+                <a:latin typeface="+mj-lt"/>
+                <a:ea typeface="微软雅黑" pitchFamily="34" charset="-122"/>
+                <a:cs typeface="Times New Roman" pitchFamily="18" charset="0"/>
+              </a:rPr>
+              <a:t> </a:t>
+            </a:r>
+            <a:r>
+              <a:rPr lang="en-US" altLang="zh-CN" sz="2000" dirty="0" smtClean="0">
+                <a:latin typeface="+mj-lt"/>
+                <a:ea typeface="微软雅黑" pitchFamily="34" charset="-122"/>
+                <a:cs typeface="Times New Roman" pitchFamily="18" charset="0"/>
+              </a:rPr>
+              <a:t>of</a:t>
+            </a:r>
+            <a:r>
+              <a:rPr lang="zh-CN" altLang="en-US" sz="2000" dirty="0" smtClean="0">
+                <a:latin typeface="+mj-lt"/>
+                <a:ea typeface="微软雅黑" pitchFamily="34" charset="-122"/>
+                <a:cs typeface="Times New Roman" pitchFamily="18" charset="0"/>
+              </a:rPr>
+              <a:t> </a:t>
+            </a:r>
+            <a:r>
+              <a:rPr lang="en-US" altLang="zh-CN" sz="2000" dirty="0" smtClean="0">
+                <a:latin typeface="+mj-lt"/>
+                <a:ea typeface="微软雅黑" pitchFamily="34" charset="-122"/>
+                <a:cs typeface="Times New Roman" pitchFamily="18" charset="0"/>
+              </a:rPr>
+              <a:t>Machine</a:t>
+            </a:r>
+            <a:r>
+              <a:rPr lang="zh-CN" altLang="en-US" sz="2000" dirty="0" smtClean="0">
+                <a:latin typeface="+mj-lt"/>
+                <a:ea typeface="微软雅黑" pitchFamily="34" charset="-122"/>
+                <a:cs typeface="Times New Roman" pitchFamily="18" charset="0"/>
+              </a:rPr>
+              <a:t> </a:t>
+            </a:r>
+            <a:r>
+              <a:rPr lang="en-US" altLang="zh-CN" sz="2000" dirty="0" smtClean="0">
+                <a:latin typeface="+mj-lt"/>
+                <a:ea typeface="微软雅黑" pitchFamily="34" charset="-122"/>
+                <a:cs typeface="Times New Roman" pitchFamily="18" charset="0"/>
+              </a:rPr>
+              <a:t>Perception,</a:t>
+            </a:r>
+            <a:r>
+              <a:rPr lang="zh-CN" altLang="en-US" sz="2000" dirty="0" smtClean="0">
+                <a:latin typeface="+mj-lt"/>
+                <a:ea typeface="微软雅黑" pitchFamily="34" charset="-122"/>
+                <a:cs typeface="Times New Roman" pitchFamily="18" charset="0"/>
+              </a:rPr>
+              <a:t> </a:t>
+            </a:r>
+            <a:r>
+              <a:rPr lang="en-US" altLang="zh-CN" sz="2000" dirty="0" smtClean="0">
+                <a:latin typeface="+mj-lt"/>
+                <a:ea typeface="微软雅黑" pitchFamily="34" charset="-122"/>
+                <a:cs typeface="Times New Roman" pitchFamily="18" charset="0"/>
+              </a:rPr>
+              <a:t>PKU</a:t>
+            </a:r>
+          </a:p>
+          <a:p>
+            <a:r>
+              <a:rPr lang="en-US" altLang="zh-CN" sz="2000" baseline="30000" dirty="0" smtClean="0">
+                <a:latin typeface="+mj-lt"/>
+                <a:ea typeface="微软雅黑" pitchFamily="34" charset="-122"/>
+                <a:cs typeface="Times New Roman" pitchFamily="18" charset="0"/>
+              </a:rPr>
+              <a:t>#</a:t>
+            </a:r>
+            <a:r>
+              <a:rPr lang="en-US" altLang="zh-CN" sz="2000" dirty="0" smtClean="0">
+                <a:latin typeface="+mj-lt"/>
+                <a:ea typeface="微软雅黑" pitchFamily="34" charset="-122"/>
+                <a:cs typeface="Times New Roman" pitchFamily="18" charset="0"/>
+              </a:rPr>
+              <a:t>Computer</a:t>
+            </a:r>
+            <a:r>
+              <a:rPr lang="zh-CN" altLang="en-US" sz="2000" dirty="0" smtClean="0">
+                <a:latin typeface="+mj-lt"/>
+                <a:ea typeface="微软雅黑" pitchFamily="34" charset="-122"/>
+                <a:cs typeface="Times New Roman" pitchFamily="18" charset="0"/>
+              </a:rPr>
+              <a:t> </a:t>
+            </a:r>
+            <a:r>
+              <a:rPr lang="en-US" altLang="zh-CN" sz="2000" dirty="0" smtClean="0">
+                <a:latin typeface="+mj-lt"/>
+                <a:ea typeface="微软雅黑" pitchFamily="34" charset="-122"/>
+                <a:cs typeface="Times New Roman" pitchFamily="18" charset="0"/>
+              </a:rPr>
+              <a:t>Science</a:t>
+            </a:r>
+            <a:r>
+              <a:rPr lang="zh-CN" altLang="en-US" sz="2000" dirty="0" smtClean="0">
+                <a:latin typeface="+mj-lt"/>
+                <a:ea typeface="微软雅黑" pitchFamily="34" charset="-122"/>
+                <a:cs typeface="Times New Roman" pitchFamily="18" charset="0"/>
+              </a:rPr>
+              <a:t> </a:t>
+            </a:r>
+            <a:r>
+              <a:rPr lang="en-US" altLang="zh-CN" sz="2000" dirty="0" smtClean="0">
+                <a:latin typeface="+mj-lt"/>
+                <a:ea typeface="微软雅黑" pitchFamily="34" charset="-122"/>
+                <a:cs typeface="Times New Roman" pitchFamily="18" charset="0"/>
+              </a:rPr>
+              <a:t>Department,</a:t>
+            </a:r>
+            <a:r>
+              <a:rPr lang="zh-CN" altLang="en-US" sz="2000" dirty="0" smtClean="0">
+                <a:latin typeface="+mj-lt"/>
+                <a:ea typeface="微软雅黑" pitchFamily="34" charset="-122"/>
+                <a:cs typeface="Times New Roman" pitchFamily="18" charset="0"/>
+              </a:rPr>
+              <a:t> </a:t>
+            </a:r>
+            <a:r>
+              <a:rPr lang="en-US" altLang="zh-CN" sz="2000" dirty="0" smtClean="0">
+                <a:latin typeface="+mj-lt"/>
+                <a:ea typeface="微软雅黑" pitchFamily="34" charset="-122"/>
+                <a:cs typeface="Times New Roman" pitchFamily="18" charset="0"/>
+              </a:rPr>
+              <a:t>Tsinghua</a:t>
+            </a:r>
+            <a:r>
+              <a:rPr lang="zh-CN" altLang="en-US" sz="2000" dirty="0" smtClean="0">
+                <a:latin typeface="+mj-lt"/>
+                <a:ea typeface="微软雅黑" pitchFamily="34" charset="-122"/>
+                <a:cs typeface="Times New Roman" pitchFamily="18" charset="0"/>
+              </a:rPr>
+              <a:t> </a:t>
+            </a:r>
+            <a:r>
+              <a:rPr lang="en-US" altLang="zh-CN" sz="2000" dirty="0" smtClean="0">
+                <a:latin typeface="+mj-lt"/>
+                <a:ea typeface="微软雅黑" pitchFamily="34" charset="-122"/>
+                <a:cs typeface="Times New Roman" pitchFamily="18" charset="0"/>
+              </a:rPr>
+              <a:t>University</a:t>
+            </a:r>
+            <a:endParaRPr lang="en-US" altLang="zh-CN" sz="2000" dirty="0" smtClean="0">
+              <a:latin typeface="+mj-lt"/>
+              <a:ea typeface="微软雅黑" pitchFamily="34" charset="-122"/>
+              <a:cs typeface="Times New Roman" pitchFamily="18" charset="0"/>
+            </a:endParaRPr>
           </a:p>
           <a:p>
             <a:pPr algn="ctr" eaLnBrk="1" hangingPunct="1"/>
@@ -3555,178 +4079,6 @@
               <a:ea typeface="微软雅黑" pitchFamily="34" charset="-122"/>
               <a:cs typeface="Times New Roman" pitchFamily="18" charset="0"/>
             </a:endParaRPr>
-          </a:p>
-        </p:txBody>
-      </p:sp>
-      <p:sp>
-        <p:nvSpPr>
-          <p:cNvPr id="2" name="矩形 1"/>
-          <p:cNvSpPr/>
-          <p:nvPr/>
-        </p:nvSpPr>
-        <p:spPr>
-          <a:xfrm>
-            <a:off x="186690" y="6105346"/>
-            <a:ext cx="8923020" cy="400110"/>
-          </a:xfrm>
-          <a:prstGeom prst="rect">
-            <a:avLst/>
-          </a:prstGeom>
-        </p:spPr>
-        <p:txBody>
-          <a:bodyPr wrap="square">
-            <a:spAutoFit/>
-          </a:bodyPr>
-          <a:lstStyle/>
-          <a:p>
-            <a:r>
-              <a:rPr lang="en-US" altLang="zh-CN" sz="2000" dirty="0" smtClean="0">
-                <a:ea typeface="微软雅黑" pitchFamily="34" charset="-122"/>
-                <a:cs typeface="Times New Roman" pitchFamily="18" charset="0"/>
-              </a:rPr>
-              <a:t>Collaborators:</a:t>
-            </a:r>
-            <a:r>
-              <a:rPr lang="zh-CN" altLang="en-US" sz="2000" dirty="0" smtClean="0">
-                <a:ea typeface="微软雅黑" pitchFamily="34" charset="-122"/>
-                <a:cs typeface="Times New Roman" pitchFamily="18" charset="0"/>
-              </a:rPr>
-              <a:t> </a:t>
-            </a:r>
-            <a:r>
-              <a:rPr lang="en-US" altLang="zh-CN" sz="2000" dirty="0" smtClean="0">
-                <a:ea typeface="微软雅黑" pitchFamily="34" charset="-122"/>
-                <a:cs typeface="Times New Roman" pitchFamily="18" charset="0"/>
-              </a:rPr>
-              <a:t>Jing</a:t>
-            </a:r>
-            <a:r>
-              <a:rPr lang="zh-CN" altLang="en-US" sz="2000" dirty="0" smtClean="0">
-                <a:ea typeface="微软雅黑" pitchFamily="34" charset="-122"/>
-                <a:cs typeface="Times New Roman" pitchFamily="18" charset="0"/>
-              </a:rPr>
-              <a:t> </a:t>
-            </a:r>
-            <a:r>
-              <a:rPr lang="en-US" altLang="zh-CN" sz="2000" dirty="0" smtClean="0">
-                <a:ea typeface="微软雅黑" pitchFamily="34" charset="-122"/>
-                <a:cs typeface="Times New Roman" pitchFamily="18" charset="0"/>
-              </a:rPr>
-              <a:t>Zhang,</a:t>
-            </a:r>
-            <a:r>
-              <a:rPr lang="zh-CN" altLang="en-US" sz="2000" dirty="0" smtClean="0">
-                <a:ea typeface="微软雅黑" pitchFamily="34" charset="-122"/>
-                <a:cs typeface="Times New Roman" pitchFamily="18" charset="0"/>
-              </a:rPr>
-              <a:t> </a:t>
-            </a:r>
-            <a:r>
-              <a:rPr lang="en-US" altLang="zh-CN" sz="2000" dirty="0" smtClean="0">
-                <a:ea typeface="微软雅黑" pitchFamily="34" charset="-122"/>
-                <a:cs typeface="Times New Roman" pitchFamily="18" charset="0"/>
-              </a:rPr>
-              <a:t>Hong</a:t>
-            </a:r>
-            <a:r>
-              <a:rPr lang="zh-CN" altLang="en-US" sz="2000" dirty="0" smtClean="0">
-                <a:ea typeface="微软雅黑" pitchFamily="34" charset="-122"/>
-                <a:cs typeface="Times New Roman" pitchFamily="18" charset="0"/>
-              </a:rPr>
-              <a:t> </a:t>
-            </a:r>
-            <a:r>
-              <a:rPr lang="en-US" altLang="zh-CN" sz="2000" dirty="0" smtClean="0">
-                <a:ea typeface="微软雅黑" pitchFamily="34" charset="-122"/>
-                <a:cs typeface="Times New Roman" pitchFamily="18" charset="0"/>
-              </a:rPr>
-              <a:t>Chen,</a:t>
-            </a:r>
-            <a:r>
-              <a:rPr lang="zh-CN" altLang="en-US" sz="2000" dirty="0" smtClean="0">
-                <a:ea typeface="微软雅黑" pitchFamily="34" charset="-122"/>
-                <a:cs typeface="Times New Roman" pitchFamily="18" charset="0"/>
-              </a:rPr>
-              <a:t> </a:t>
-            </a:r>
-            <a:r>
-              <a:rPr lang="en-US" altLang="zh-CN" sz="2000" dirty="0" err="1" smtClean="0">
-                <a:ea typeface="微软雅黑" pitchFamily="34" charset="-122"/>
-                <a:cs typeface="Times New Roman" pitchFamily="18" charset="0"/>
-              </a:rPr>
-              <a:t>Cuiping</a:t>
-            </a:r>
-            <a:r>
-              <a:rPr lang="zh-CN" altLang="en-US" sz="2000" dirty="0" smtClean="0">
-                <a:ea typeface="微软雅黑" pitchFamily="34" charset="-122"/>
-                <a:cs typeface="Times New Roman" pitchFamily="18" charset="0"/>
-              </a:rPr>
-              <a:t> </a:t>
-            </a:r>
-            <a:r>
-              <a:rPr lang="en-US" altLang="zh-CN" sz="2000" dirty="0" smtClean="0">
-                <a:ea typeface="微软雅黑" pitchFamily="34" charset="-122"/>
-                <a:cs typeface="Times New Roman" pitchFamily="18" charset="0"/>
-              </a:rPr>
-              <a:t>Li,</a:t>
-            </a:r>
-            <a:r>
-              <a:rPr lang="zh-CN" altLang="en-US" sz="2000" dirty="0" smtClean="0">
-                <a:ea typeface="微软雅黑" pitchFamily="34" charset="-122"/>
-                <a:cs typeface="Times New Roman" pitchFamily="18" charset="0"/>
-              </a:rPr>
-              <a:t> </a:t>
-            </a:r>
-            <a:r>
-              <a:rPr lang="en-US" altLang="zh-CN" sz="2000" dirty="0" err="1" smtClean="0">
-                <a:ea typeface="微软雅黑" pitchFamily="34" charset="-122"/>
-                <a:cs typeface="Times New Roman" pitchFamily="18" charset="0"/>
-              </a:rPr>
-              <a:t>Guojie</a:t>
-            </a:r>
-            <a:r>
-              <a:rPr lang="zh-CN" altLang="en-US" sz="2000" dirty="0" smtClean="0">
-                <a:ea typeface="微软雅黑" pitchFamily="34" charset="-122"/>
-                <a:cs typeface="Times New Roman" pitchFamily="18" charset="0"/>
-              </a:rPr>
-              <a:t> </a:t>
-            </a:r>
-            <a:r>
-              <a:rPr lang="en-US" altLang="zh-CN" sz="2000" dirty="0" smtClean="0">
-                <a:ea typeface="微软雅黑" pitchFamily="34" charset="-122"/>
-                <a:cs typeface="Times New Roman" pitchFamily="18" charset="0"/>
-              </a:rPr>
-              <a:t>Song,</a:t>
-            </a:r>
-            <a:r>
-              <a:rPr lang="zh-CN" altLang="en-US" sz="2000" dirty="0" smtClean="0">
-                <a:ea typeface="微软雅黑" pitchFamily="34" charset="-122"/>
-                <a:cs typeface="Times New Roman" pitchFamily="18" charset="0"/>
-              </a:rPr>
-              <a:t> </a:t>
-            </a:r>
-            <a:r>
-              <a:rPr lang="en-US" altLang="zh-CN" sz="2000" dirty="0" err="1" smtClean="0">
-                <a:ea typeface="微软雅黑" pitchFamily="34" charset="-122"/>
-                <a:cs typeface="Times New Roman" pitchFamily="18" charset="0"/>
-              </a:rPr>
-              <a:t>Yutao</a:t>
-            </a:r>
-            <a:r>
-              <a:rPr lang="zh-CN" altLang="en-US" sz="2000" dirty="0" smtClean="0">
-                <a:ea typeface="微软雅黑" pitchFamily="34" charset="-122"/>
-                <a:cs typeface="Times New Roman" pitchFamily="18" charset="0"/>
-              </a:rPr>
-              <a:t> </a:t>
-            </a:r>
-            <a:r>
-              <a:rPr lang="en-US" altLang="zh-CN" sz="2000" dirty="0" smtClean="0">
-                <a:ea typeface="微软雅黑" pitchFamily="34" charset="-122"/>
-                <a:cs typeface="Times New Roman" pitchFamily="18" charset="0"/>
-              </a:rPr>
-              <a:t>Zhang</a:t>
-            </a:r>
-            <a:endParaRPr lang="zh-CN" altLang="en-US" sz="2000" dirty="0"/>
           </a:p>
         </p:txBody>
       </p:sp>
